--- a/doc/SubsKeeper_CM.pptx
+++ b/doc/SubsKeeper_CM.pptx
@@ -5,10 +5,10 @@
     <p:sldMasterId id="2147483648" r:id="rId4"/>
   </p:sldMasterIdLst>
   <p:notesMasterIdLst>
-    <p:notesMasterId r:id="rId16"/>
+    <p:notesMasterId r:id="rId17"/>
   </p:notesMasterIdLst>
   <p:handoutMasterIdLst>
-    <p:handoutMasterId r:id="rId17"/>
+    <p:handoutMasterId r:id="rId18"/>
   </p:handoutMasterIdLst>
   <p:sldIdLst>
     <p:sldId id="272" r:id="rId5"/>
@@ -17,11 +17,12 @@
     <p:sldId id="281" r:id="rId8"/>
     <p:sldId id="276" r:id="rId9"/>
     <p:sldId id="277" r:id="rId10"/>
-    <p:sldId id="282" r:id="rId11"/>
-    <p:sldId id="283" r:id="rId12"/>
+    <p:sldId id="283" r:id="rId11"/>
+    <p:sldId id="282" r:id="rId12"/>
     <p:sldId id="274" r:id="rId13"/>
     <p:sldId id="284" r:id="rId14"/>
-    <p:sldId id="280" r:id="rId15"/>
+    <p:sldId id="285" r:id="rId15"/>
+    <p:sldId id="280" r:id="rId16"/>
   </p:sldIdLst>
   <p:sldSz cx="12192000" cy="6858000"/>
   <p:notesSz cx="6858000" cy="9144000"/>
@@ -1921,7 +1922,7 @@
                 <a:latin typeface="Meiryo UI" panose="020B0604030504040204" pitchFamily="50" charset="-128"/>
                 <a:ea typeface="Meiryo UI" panose="020B0604030504040204" pitchFamily="50" charset="-128"/>
               </a:rPr>
-              <a:t>2023/6/27</a:t>
+              <a:t>2023/6/28</a:t>
             </a:fld>
             <a:endParaRPr lang="ja-JP" altLang="en-US" dirty="0">
               <a:latin typeface="Meiryo UI" panose="020B0604030504040204" pitchFamily="50" charset="-128"/>
@@ -2122,7 +2123,7 @@
             <a:fld id="{E7497C3D-587E-4A0B-B8CF-64BBDA61204E}" type="datetime1">
               <a:rPr lang="ja-JP" altLang="en-US" smtClean="0"/>
               <a:pPr/>
-              <a:t>2023/6/27</a:t>
+              <a:t>2023/6/28</a:t>
             </a:fld>
             <a:endParaRPr lang="ja-JP" altLang="en-US" dirty="0"/>
           </a:p>
@@ -2827,10 +2828,7 @@
               <a:tabLst/>
               <a:defRPr/>
             </a:pPr>
-            <a:r>
-              <a:rPr kumimoji="1" lang="ja-JP" altLang="en-US" dirty="0"/>
-              <a:t>「買い物弱者」に関する調査</a:t>
-            </a:r>
+            <a:endParaRPr kumimoji="1" lang="ja-JP" altLang="en-US" dirty="0"/>
           </a:p>
         </p:txBody>
       </p:sp>
@@ -3070,7 +3068,7 @@
                 <a:ea typeface="游明朝" panose="02020400000000000000" pitchFamily="18" charset="-128"/>
                 <a:cs typeface="Times New Roman" panose="02020603050405020304" pitchFamily="18" charset="0"/>
               </a:rPr>
-              <a:t>は食料品や生活雑貨など、すべての日用品も購入が管理できるアプリケーション。</a:t>
+              <a:t>は食料品や生活雑貨など、すべての日用品の購入が管理できるアプリケーション。</a:t>
             </a:r>
             <a:endParaRPr kumimoji="1" lang="ja-JP" altLang="en-US" dirty="0"/>
           </a:p>
@@ -3168,7 +3166,7 @@
                 <a:ea typeface="游明朝" panose="02020400000000000000" pitchFamily="18" charset="-128"/>
                 <a:cs typeface="Times New Roman" panose="02020603050405020304" pitchFamily="18" charset="0"/>
               </a:rPr>
-              <a:t>溜まりがち・不足しがちな定期購入品を一括管理。</a:t>
+              <a:t>簡単な登録作業で、購入が必要な時期が分かる！</a:t>
             </a:r>
           </a:p>
           <a:p>
@@ -3180,11 +3178,8 @@
                 <a:ea typeface="游明朝" panose="02020400000000000000" pitchFamily="18" charset="-128"/>
                 <a:cs typeface="Times New Roman" panose="02020603050405020304" pitchFamily="18" charset="0"/>
               </a:rPr>
-              <a:t>（一覧画面の動画）</a:t>
-            </a:r>
-          </a:p>
-          <a:p>
-            <a:endParaRPr kumimoji="1" lang="ja-JP" altLang="en-US" dirty="0"/>
+              <a:t>（登録している動画）</a:t>
+            </a:r>
           </a:p>
         </p:txBody>
       </p:sp>
@@ -3218,7 +3213,7 @@
     </p:spTree>
     <p:extLst>
       <p:ext uri="{BB962C8B-B14F-4D97-AF65-F5344CB8AC3E}">
-        <p14:creationId xmlns:p14="http://schemas.microsoft.com/office/powerpoint/2010/main" val="2487135710"/>
+        <p14:creationId xmlns:p14="http://schemas.microsoft.com/office/powerpoint/2010/main" val="700881217"/>
       </p:ext>
     </p:extLst>
   </p:cSld>
@@ -3280,7 +3275,7 @@
                 <a:ea typeface="游明朝" panose="02020400000000000000" pitchFamily="18" charset="-128"/>
                 <a:cs typeface="Times New Roman" panose="02020603050405020304" pitchFamily="18" charset="0"/>
               </a:rPr>
-              <a:t>簡単な登録作業で、購入が必要な時期が分かる！</a:t>
+              <a:t>溜まりがち・不足しがちな定期購入品を一括管理。</a:t>
             </a:r>
           </a:p>
           <a:p>
@@ -3292,8 +3287,11 @@
                 <a:ea typeface="游明朝" panose="02020400000000000000" pitchFamily="18" charset="-128"/>
                 <a:cs typeface="Times New Roman" panose="02020603050405020304" pitchFamily="18" charset="0"/>
               </a:rPr>
-              <a:t>（登録している動画）</a:t>
-            </a:r>
+              <a:t>（一覧画面の動画）</a:t>
+            </a:r>
+          </a:p>
+          <a:p>
+            <a:endParaRPr kumimoji="1" lang="ja-JP" altLang="en-US" dirty="0"/>
           </a:p>
         </p:txBody>
       </p:sp>
@@ -3327,7 +3325,7 @@
     </p:spTree>
     <p:extLst>
       <p:ext uri="{BB962C8B-B14F-4D97-AF65-F5344CB8AC3E}">
-        <p14:creationId xmlns:p14="http://schemas.microsoft.com/office/powerpoint/2010/main" val="700881217"/>
+        <p14:creationId xmlns:p14="http://schemas.microsoft.com/office/powerpoint/2010/main" val="2487135710"/>
       </p:ext>
     </p:extLst>
   </p:cSld>
@@ -12123,7 +12121,7 @@
           <a:lstStyle/>
           <a:p>
             <a:r>
-              <a:rPr lang="ja-JP" altLang="en-US" dirty="0">
+              <a:rPr lang="ja-JP" altLang="en-US" sz="4000" dirty="0">
                 <a:latin typeface="游ゴシック" panose="020B0400000000000000" pitchFamily="50" charset="-128"/>
                 <a:ea typeface="游ゴシック" panose="020B0400000000000000" pitchFamily="50" charset="-128"/>
               </a:rPr>
@@ -12173,6 +12171,110 @@
 </file>
 
 <file path=ppt/slides/slide11.xml><?xml version="1.0" encoding="utf-8"?>
+<p:sld xmlns:a="http://schemas.openxmlformats.org/drawingml/2006/main" xmlns:r="http://schemas.openxmlformats.org/officeDocument/2006/relationships" xmlns:p="http://schemas.openxmlformats.org/presentationml/2006/main">
+  <p:cSld>
+    <p:spTree>
+      <p:nvGrpSpPr>
+        <p:cNvPr id="1" name=""/>
+        <p:cNvGrpSpPr/>
+        <p:nvPr/>
+      </p:nvGrpSpPr>
+      <p:grpSpPr>
+        <a:xfrm>
+          <a:off x="0" y="0"/>
+          <a:ext cx="0" cy="0"/>
+          <a:chOff x="0" y="0"/>
+          <a:chExt cx="0" cy="0"/>
+        </a:xfrm>
+      </p:grpSpPr>
+      <p:sp>
+        <p:nvSpPr>
+          <p:cNvPr id="2" name="図プレースホルダー 1">
+            <a:extLst>
+              <a:ext uri="{FF2B5EF4-FFF2-40B4-BE49-F238E27FC236}">
+                <a16:creationId xmlns:a16="http://schemas.microsoft.com/office/drawing/2014/main" id="{113BB050-2492-4019-BF7D-2FDF1EC338DE}"/>
+              </a:ext>
+            </a:extLst>
+          </p:cNvPr>
+          <p:cNvSpPr>
+            <a:spLocks noGrp="1"/>
+          </p:cNvSpPr>
+          <p:nvPr>
+            <p:ph type="pic" sz="quarter" idx="14"/>
+          </p:nvPr>
+        </p:nvSpPr>
+        <p:spPr/>
+      </p:sp>
+      <p:sp>
+        <p:nvSpPr>
+          <p:cNvPr id="3" name="タイトル 2">
+            <a:extLst>
+              <a:ext uri="{FF2B5EF4-FFF2-40B4-BE49-F238E27FC236}">
+                <a16:creationId xmlns:a16="http://schemas.microsoft.com/office/drawing/2014/main" id="{CD963FBE-C5A9-4BA5-B4BD-8E5A8A793A46}"/>
+              </a:ext>
+            </a:extLst>
+          </p:cNvPr>
+          <p:cNvSpPr>
+            <a:spLocks noGrp="1"/>
+          </p:cNvSpPr>
+          <p:nvPr>
+            <p:ph type="title"/>
+          </p:nvPr>
+        </p:nvSpPr>
+        <p:spPr/>
+        <p:txBody>
+          <a:bodyPr/>
+          <a:lstStyle/>
+          <a:p>
+            <a:r>
+              <a:rPr kumimoji="1" lang="ja-JP" altLang="en-US" dirty="0">
+                <a:latin typeface="游ゴシック Light" panose="020B0300000000000000" pitchFamily="50" charset="-128"/>
+                <a:ea typeface="游ゴシック Light" panose="020B0300000000000000" pitchFamily="50" charset="-128"/>
+              </a:rPr>
+              <a:t>利用者の声が続々！</a:t>
+            </a:r>
+          </a:p>
+        </p:txBody>
+      </p:sp>
+      <p:sp>
+        <p:nvSpPr>
+          <p:cNvPr id="4" name="テキスト プレースホルダー 3">
+            <a:extLst>
+              <a:ext uri="{FF2B5EF4-FFF2-40B4-BE49-F238E27FC236}">
+                <a16:creationId xmlns:a16="http://schemas.microsoft.com/office/drawing/2014/main" id="{35E8A0A9-9781-4F0D-9577-0F559938F2A1}"/>
+              </a:ext>
+            </a:extLst>
+          </p:cNvPr>
+          <p:cNvSpPr>
+            <a:spLocks noGrp="1"/>
+          </p:cNvSpPr>
+          <p:nvPr>
+            <p:ph type="body" sz="quarter" idx="16"/>
+          </p:nvPr>
+        </p:nvSpPr>
+        <p:spPr/>
+        <p:txBody>
+          <a:bodyPr/>
+          <a:lstStyle/>
+          <a:p>
+            <a:endParaRPr kumimoji="1" lang="ja-JP" altLang="en-US"/>
+          </a:p>
+        </p:txBody>
+      </p:sp>
+    </p:spTree>
+    <p:extLst>
+      <p:ext uri="{BB962C8B-B14F-4D97-AF65-F5344CB8AC3E}">
+        <p14:creationId xmlns:p14="http://schemas.microsoft.com/office/powerpoint/2010/main" val="1464727252"/>
+      </p:ext>
+    </p:extLst>
+  </p:cSld>
+  <p:clrMapOvr>
+    <a:masterClrMapping/>
+  </p:clrMapOvr>
+</p:sld>
+</file>
+
+<file path=ppt/slides/slide12.xml><?xml version="1.0" encoding="utf-8"?>
 <p:sld xmlns:a="http://schemas.openxmlformats.org/drawingml/2006/main" xmlns:r="http://schemas.openxmlformats.org/officeDocument/2006/relationships" xmlns:p="http://schemas.openxmlformats.org/presentationml/2006/main">
   <p:cSld>
     <p:spTree>
@@ -12569,7 +12671,15 @@
             <a:pPr algn="ctr"/>
             <a:r>
               <a:rPr kumimoji="1" lang="ja-JP" altLang="en-US" dirty="0"/>
-              <a:t>買うのが大変</a:t>
+              <a:t>買うのが</a:t>
+            </a:r>
+            <a:r>
+              <a:rPr kumimoji="1" lang="ja-JP" altLang="en-US" dirty="0">
+                <a:solidFill>
+                  <a:srgbClr val="FF2D2D"/>
+                </a:solidFill>
+              </a:rPr>
+              <a:t>大変</a:t>
             </a:r>
             <a:r>
               <a:rPr kumimoji="1" lang="en-US" altLang="ja-JP" dirty="0"/>
@@ -12593,7 +12703,7 @@
         </p:nvSpPr>
         <p:spPr>
           <a:xfrm>
-            <a:off x="8431680" y="143703"/>
+            <a:off x="8525945" y="568769"/>
             <a:ext cx="3297865" cy="2413244"/>
           </a:xfrm>
           <a:prstGeom prst="cloudCallout">
@@ -12639,7 +12749,11 @@
           <a:p>
             <a:pPr algn="ctr"/>
             <a:r>
-              <a:rPr kumimoji="1" lang="ja-JP" altLang="en-US" dirty="0"/>
+              <a:rPr kumimoji="1" lang="ja-JP" altLang="en-US" dirty="0">
+                <a:solidFill>
+                  <a:srgbClr val="FF2D2D"/>
+                </a:solidFill>
+              </a:rPr>
               <a:t>溜まっていく</a:t>
             </a:r>
             <a:r>
@@ -12710,7 +12824,11 @@
           <a:p>
             <a:pPr algn="ctr"/>
             <a:r>
-              <a:rPr kumimoji="1" lang="ja-JP" altLang="en-US" dirty="0"/>
+              <a:rPr kumimoji="1" lang="ja-JP" altLang="en-US" dirty="0">
+                <a:solidFill>
+                  <a:srgbClr val="FF2D2D"/>
+                </a:solidFill>
+              </a:rPr>
               <a:t>時間がない</a:t>
             </a:r>
             <a:r>
@@ -12798,7 +12916,7 @@
                               <p:par>
                                 <p:cTn id="9" presetID="10" presetClass="entr" presetSubtype="0" fill="hold" grpId="0" nodeType="afterEffect">
                                   <p:stCondLst>
-                                    <p:cond delay="1000"/>
+                                    <p:cond delay="750"/>
                                   </p:stCondLst>
                                   <p:childTnLst>
                                     <p:set>
@@ -12836,13 +12954,13 @@
                         <p:par>
                           <p:cTn id="12" fill="hold">
                             <p:stCondLst>
-                              <p:cond delay="2000"/>
+                              <p:cond delay="1750"/>
                             </p:stCondLst>
                             <p:childTnLst>
                               <p:par>
                                 <p:cTn id="13" presetID="10" presetClass="entr" presetSubtype="0" fill="hold" grpId="0" nodeType="afterEffect">
                                   <p:stCondLst>
-                                    <p:cond delay="1000"/>
+                                    <p:cond delay="750"/>
                                   </p:stCondLst>
                                   <p:childTnLst>
                                     <p:set>
@@ -13080,6 +13198,138 @@
   <p:clrMapOvr>
     <a:masterClrMapping/>
   </p:clrMapOvr>
+  <p:timing>
+    <p:tnLst>
+      <p:par>
+        <p:cTn id="1" dur="indefinite" restart="never" nodeType="tmRoot">
+          <p:childTnLst>
+            <p:seq concurrent="1" nextAc="seek">
+              <p:cTn id="2" dur="indefinite" nodeType="mainSeq">
+                <p:childTnLst>
+                  <p:par>
+                    <p:cTn id="3" fill="hold">
+                      <p:stCondLst>
+                        <p:cond delay="indefinite"/>
+                      </p:stCondLst>
+                      <p:childTnLst>
+                        <p:par>
+                          <p:cTn id="4" fill="hold">
+                            <p:stCondLst>
+                              <p:cond delay="0"/>
+                            </p:stCondLst>
+                            <p:childTnLst>
+                              <p:par>
+                                <p:cTn id="5" presetID="42" presetClass="entr" presetSubtype="0" fill="hold" grpId="0" nodeType="clickEffect">
+                                  <p:stCondLst>
+                                    <p:cond delay="0"/>
+                                  </p:stCondLst>
+                                  <p:childTnLst>
+                                    <p:set>
+                                      <p:cBhvr>
+                                        <p:cTn id="6" dur="1" fill="hold">
+                                          <p:stCondLst>
+                                            <p:cond delay="0"/>
+                                          </p:stCondLst>
+                                        </p:cTn>
+                                        <p:tgtEl>
+                                          <p:spTgt spid="4"/>
+                                        </p:tgtEl>
+                                        <p:attrNameLst>
+                                          <p:attrName>style.visibility</p:attrName>
+                                        </p:attrNameLst>
+                                      </p:cBhvr>
+                                      <p:to>
+                                        <p:strVal val="visible"/>
+                                      </p:to>
+                                    </p:set>
+                                    <p:animEffect transition="in" filter="fade">
+                                      <p:cBhvr>
+                                        <p:cTn id="7" dur="1000"/>
+                                        <p:tgtEl>
+                                          <p:spTgt spid="4"/>
+                                        </p:tgtEl>
+                                      </p:cBhvr>
+                                    </p:animEffect>
+                                    <p:anim calcmode="lin" valueType="num">
+                                      <p:cBhvr>
+                                        <p:cTn id="8" dur="1000" fill="hold"/>
+                                        <p:tgtEl>
+                                          <p:spTgt spid="4"/>
+                                        </p:tgtEl>
+                                        <p:attrNameLst>
+                                          <p:attrName>ppt_x</p:attrName>
+                                        </p:attrNameLst>
+                                      </p:cBhvr>
+                                      <p:tavLst>
+                                        <p:tav tm="0">
+                                          <p:val>
+                                            <p:strVal val="#ppt_x"/>
+                                          </p:val>
+                                        </p:tav>
+                                        <p:tav tm="100000">
+                                          <p:val>
+                                            <p:strVal val="#ppt_x"/>
+                                          </p:val>
+                                        </p:tav>
+                                      </p:tavLst>
+                                    </p:anim>
+                                    <p:anim calcmode="lin" valueType="num">
+                                      <p:cBhvr>
+                                        <p:cTn id="9" dur="1000" fill="hold"/>
+                                        <p:tgtEl>
+                                          <p:spTgt spid="4"/>
+                                        </p:tgtEl>
+                                        <p:attrNameLst>
+                                          <p:attrName>ppt_y</p:attrName>
+                                        </p:attrNameLst>
+                                      </p:cBhvr>
+                                      <p:tavLst>
+                                        <p:tav tm="0">
+                                          <p:val>
+                                            <p:strVal val="#ppt_y+.1"/>
+                                          </p:val>
+                                        </p:tav>
+                                        <p:tav tm="100000">
+                                          <p:val>
+                                            <p:strVal val="#ppt_y"/>
+                                          </p:val>
+                                        </p:tav>
+                                      </p:tavLst>
+                                    </p:anim>
+                                  </p:childTnLst>
+                                </p:cTn>
+                              </p:par>
+                            </p:childTnLst>
+                          </p:cTn>
+                        </p:par>
+                      </p:childTnLst>
+                    </p:cTn>
+                  </p:par>
+                </p:childTnLst>
+              </p:cTn>
+              <p:prevCondLst>
+                <p:cond evt="onPrev" delay="0">
+                  <p:tgtEl>
+                    <p:sldTgt/>
+                  </p:tgtEl>
+                </p:cond>
+              </p:prevCondLst>
+              <p:nextCondLst>
+                <p:cond evt="onNext" delay="0">
+                  <p:tgtEl>
+                    <p:sldTgt/>
+                  </p:tgtEl>
+                </p:cond>
+              </p:nextCondLst>
+            </p:seq>
+          </p:childTnLst>
+        </p:cTn>
+      </p:par>
+    </p:tnLst>
+    <p:bldLst>
+      <p:bldP spid="4" grpId="0"/>
+    </p:bldLst>
+  </p:timing>
 </p:sld>
 </file>
 
@@ -14152,6 +14402,122 @@
           </a:prstGeom>
         </p:spPr>
       </p:pic>
+      <p:sp>
+        <p:nvSpPr>
+          <p:cNvPr id="3" name="吹き出し: 円形 2">
+            <a:extLst>
+              <a:ext uri="{FF2B5EF4-FFF2-40B4-BE49-F238E27FC236}">
+                <a16:creationId xmlns:a16="http://schemas.microsoft.com/office/drawing/2014/main" id="{DF575227-1B6B-4762-AC88-248CC7BEA91D}"/>
+              </a:ext>
+            </a:extLst>
+          </p:cNvPr>
+          <p:cNvSpPr/>
+          <p:nvPr/>
+        </p:nvSpPr>
+        <p:spPr>
+          <a:xfrm>
+            <a:off x="388882" y="1261242"/>
+            <a:ext cx="3930869" cy="2049518"/>
+          </a:xfrm>
+          <a:prstGeom prst="wedgeEllipseCallout">
+            <a:avLst>
+              <a:gd name="adj1" fmla="val 40643"/>
+              <a:gd name="adj2" fmla="val 50703"/>
+            </a:avLst>
+          </a:prstGeom>
+        </p:spPr>
+        <p:style>
+          <a:lnRef idx="1">
+            <a:schemeClr val="accent1"/>
+          </a:lnRef>
+          <a:fillRef idx="2">
+            <a:schemeClr val="accent1"/>
+          </a:fillRef>
+          <a:effectRef idx="1">
+            <a:schemeClr val="accent1"/>
+          </a:effectRef>
+          <a:fontRef idx="minor">
+            <a:schemeClr val="dk1"/>
+          </a:fontRef>
+        </p:style>
+        <p:txBody>
+          <a:bodyPr rtlCol="0" anchor="ctr"/>
+          <a:lstStyle/>
+          <a:p>
+            <a:pPr algn="ctr"/>
+            <a:r>
+              <a:rPr kumimoji="1" lang="ja-JP" altLang="en-US" sz="2000" dirty="0"/>
+              <a:t>ネットショッピングで</a:t>
+            </a:r>
+            <a:endParaRPr kumimoji="1" lang="en-US" altLang="ja-JP" sz="2000" dirty="0"/>
+          </a:p>
+          <a:p>
+            <a:pPr algn="ctr"/>
+            <a:r>
+              <a:rPr kumimoji="1" lang="ja-JP" altLang="en-US" sz="2000" dirty="0"/>
+              <a:t>お得にまとめ買い！</a:t>
+            </a:r>
+          </a:p>
+        </p:txBody>
+      </p:sp>
+      <p:sp>
+        <p:nvSpPr>
+          <p:cNvPr id="5" name="吹き出し: 円形 4">
+            <a:extLst>
+              <a:ext uri="{FF2B5EF4-FFF2-40B4-BE49-F238E27FC236}">
+                <a16:creationId xmlns:a16="http://schemas.microsoft.com/office/drawing/2014/main" id="{2A87461B-E284-4F00-96BE-0C6BEB35110E}"/>
+              </a:ext>
+            </a:extLst>
+          </p:cNvPr>
+          <p:cNvSpPr/>
+          <p:nvPr/>
+        </p:nvSpPr>
+        <p:spPr>
+          <a:xfrm>
+            <a:off x="7872250" y="1261242"/>
+            <a:ext cx="3857295" cy="2049518"/>
+          </a:xfrm>
+          <a:prstGeom prst="wedgeEllipseCallout">
+            <a:avLst>
+              <a:gd name="adj1" fmla="val -44583"/>
+              <a:gd name="adj2" fmla="val 47113"/>
+            </a:avLst>
+          </a:prstGeom>
+        </p:spPr>
+        <p:style>
+          <a:lnRef idx="1">
+            <a:schemeClr val="accent1"/>
+          </a:lnRef>
+          <a:fillRef idx="2">
+            <a:schemeClr val="accent1"/>
+          </a:fillRef>
+          <a:effectRef idx="1">
+            <a:schemeClr val="accent1"/>
+          </a:effectRef>
+          <a:fontRef idx="minor">
+            <a:schemeClr val="dk1"/>
+          </a:fontRef>
+        </p:style>
+        <p:txBody>
+          <a:bodyPr rtlCol="0" anchor="ctr"/>
+          <a:lstStyle/>
+          <a:p>
+            <a:pPr algn="ctr"/>
+            <a:r>
+              <a:rPr kumimoji="1" lang="ja-JP" altLang="en-US" sz="2000" dirty="0"/>
+              <a:t>一元化して</a:t>
+            </a:r>
+            <a:endParaRPr kumimoji="1" lang="en-US" altLang="ja-JP" sz="2000" dirty="0"/>
+          </a:p>
+          <a:p>
+            <a:pPr algn="ctr"/>
+            <a:r>
+              <a:rPr kumimoji="1" lang="ja-JP" altLang="en-US" sz="2000" dirty="0"/>
+              <a:t>買い忘れ・買いすぎを防止！</a:t>
+            </a:r>
+          </a:p>
+        </p:txBody>
+      </p:sp>
     </p:spTree>
     <p:extLst>
       <p:ext uri="{BB962C8B-B14F-4D97-AF65-F5344CB8AC3E}">
@@ -14208,7 +14574,7 @@
                                     </p:set>
                                     <p:anim calcmode="lin" valueType="num">
                                       <p:cBhvr>
-                                        <p:cTn id="7" dur="750" fill="hold"/>
+                                        <p:cTn id="7" dur="500" fill="hold"/>
                                         <p:tgtEl>
                                           <p:spTgt spid="6"/>
                                         </p:tgtEl>
@@ -14231,7 +14597,7 @@
                                     </p:anim>
                                     <p:anim calcmode="lin" valueType="num">
                                       <p:cBhvr>
-                                        <p:cTn id="8" dur="750" fill="hold"/>
+                                        <p:cTn id="8" dur="500" fill="hold"/>
                                         <p:tgtEl>
                                           <p:spTgt spid="6"/>
                                         </p:tgtEl>
@@ -14254,9 +14620,97 @@
                                     </p:anim>
                                     <p:animEffect transition="in" filter="fade">
                                       <p:cBhvr>
-                                        <p:cTn id="9" dur="750"/>
+                                        <p:cTn id="9" dur="500"/>
                                         <p:tgtEl>
                                           <p:spTgt spid="6"/>
+                                        </p:tgtEl>
+                                      </p:cBhvr>
+                                    </p:animEffect>
+                                  </p:childTnLst>
+                                </p:cTn>
+                              </p:par>
+                            </p:childTnLst>
+                          </p:cTn>
+                        </p:par>
+                        <p:par>
+                          <p:cTn id="10" fill="hold">
+                            <p:stCondLst>
+                              <p:cond delay="500"/>
+                            </p:stCondLst>
+                            <p:childTnLst>
+                              <p:par>
+                                <p:cTn id="11" presetID="10" presetClass="entr" presetSubtype="0" fill="hold" grpId="0" nodeType="afterEffect">
+                                  <p:stCondLst>
+                                    <p:cond delay="750"/>
+                                  </p:stCondLst>
+                                  <p:childTnLst>
+                                    <p:set>
+                                      <p:cBhvr>
+                                        <p:cTn id="12" dur="1" fill="hold">
+                                          <p:stCondLst>
+                                            <p:cond delay="0"/>
+                                          </p:stCondLst>
+                                        </p:cTn>
+                                        <p:tgtEl>
+                                          <p:spTgt spid="3"/>
+                                        </p:tgtEl>
+                                        <p:attrNameLst>
+                                          <p:attrName>style.visibility</p:attrName>
+                                        </p:attrNameLst>
+                                      </p:cBhvr>
+                                      <p:to>
+                                        <p:strVal val="visible"/>
+                                      </p:to>
+                                    </p:set>
+                                    <p:animEffect transition="in" filter="fade">
+                                      <p:cBhvr>
+                                        <p:cTn id="13" dur="500"/>
+                                        <p:tgtEl>
+                                          <p:spTgt spid="3"/>
+                                        </p:tgtEl>
+                                      </p:cBhvr>
+                                    </p:animEffect>
+                                  </p:childTnLst>
+                                </p:cTn>
+                              </p:par>
+                            </p:childTnLst>
+                          </p:cTn>
+                        </p:par>
+                        <p:par>
+                          <p:cTn id="14" fill="hold">
+                            <p:stCondLst>
+                              <p:cond delay="1750"/>
+                            </p:stCondLst>
+                            <p:childTnLst>
+                              <p:par>
+                                <p:cTn id="15" presetID="10" presetClass="entr" presetSubtype="0" fill="hold" grpId="0" nodeType="afterEffect">
+                                  <p:stCondLst>
+                                    <p:cond delay="750"/>
+                                  </p:stCondLst>
+                                  <p:childTnLst>
+                                    <p:set>
+                                      <p:cBhvr>
+                                        <p:cTn id="16" dur="1" fill="hold">
+                                          <p:stCondLst>
+                                            <p:cond delay="0"/>
+                                          </p:stCondLst>
+                                        </p:cTn>
+                                        <p:tgtEl>
+                                          <p:spTgt spid="5"/>
+                                        </p:tgtEl>
+                                        <p:attrNameLst>
+                                          <p:attrName>style.visibility</p:attrName>
+                                        </p:attrNameLst>
+                                      </p:cBhvr>
+                                      <p:to>
+                                        <p:strVal val="visible"/>
+                                      </p:to>
+                                    </p:set>
+                                    <p:animEffect transition="in" filter="fade">
+                                      <p:cBhvr>
+                                        <p:cTn id="17" dur="500"/>
+                                        <p:tgtEl>
+                                          <p:spTgt spid="5"/>
                                         </p:tgtEl>
                                       </p:cBhvr>
                                     </p:animEffect>
@@ -14290,6 +14744,10 @@
         </p:cTn>
       </p:par>
     </p:tnLst>
+    <p:bldLst>
+      <p:bldP spid="3" grpId="0" animBg="1"/>
+      <p:bldP spid="5" grpId="0" animBg="1"/>
+    </p:bldLst>
   </p:timing>
 </p:sld>
 </file>
@@ -14344,7 +14802,7 @@
                 <a:ea typeface="游ゴシック" panose="020B0400000000000000" pitchFamily="50" charset="-128"/>
                 <a:cs typeface="Times New Roman" panose="02020603050405020304" pitchFamily="18" charset="0"/>
               </a:rPr>
-              <a:t>溜まりがち・不足しがちな</a:t>
+              <a:t>簡単な登録作業</a:t>
             </a:r>
             <a:r>
               <a:rPr lang="ja-JP" altLang="en-US" sz="3200" kern="100" dirty="0">
@@ -14353,7 +14811,7 @@
                 <a:ea typeface="游ゴシック" panose="020B0400000000000000" pitchFamily="50" charset="-128"/>
                 <a:cs typeface="Times New Roman" panose="02020603050405020304" pitchFamily="18" charset="0"/>
               </a:rPr>
-              <a:t>日用品</a:t>
+              <a:t>だけ</a:t>
             </a:r>
             <a:r>
               <a:rPr lang="ja-JP" altLang="ja-JP" sz="3200" kern="100" dirty="0">
@@ -14362,7 +14820,7 @@
                 <a:ea typeface="游ゴシック" panose="020B0400000000000000" pitchFamily="50" charset="-128"/>
                 <a:cs typeface="Times New Roman" panose="02020603050405020304" pitchFamily="18" charset="0"/>
               </a:rPr>
-              <a:t>を一括管理</a:t>
+              <a:t>で、購入が必要な時期が分かる</a:t>
             </a:r>
             <a:endParaRPr kumimoji="1" lang="ja-JP" altLang="en-US" dirty="0">
               <a:latin typeface="游ゴシック" panose="020B0400000000000000" pitchFamily="50" charset="-128"/>
@@ -14397,7 +14855,7 @@
     </p:spTree>
     <p:extLst>
       <p:ext uri="{BB962C8B-B14F-4D97-AF65-F5344CB8AC3E}">
-        <p14:creationId xmlns:p14="http://schemas.microsoft.com/office/powerpoint/2010/main" val="321717759"/>
+        <p14:creationId xmlns:p14="http://schemas.microsoft.com/office/powerpoint/2010/main" val="381242136"/>
       </p:ext>
     </p:extLst>
   </p:cSld>
@@ -14457,7 +14915,7 @@
                 <a:ea typeface="游ゴシック" panose="020B0400000000000000" pitchFamily="50" charset="-128"/>
                 <a:cs typeface="Times New Roman" panose="02020603050405020304" pitchFamily="18" charset="0"/>
               </a:rPr>
-              <a:t>簡単な登録作業</a:t>
+              <a:t>溜まりがち・不足しがちな</a:t>
             </a:r>
             <a:r>
               <a:rPr lang="ja-JP" altLang="en-US" sz="3200" kern="100" dirty="0">
@@ -14466,7 +14924,7 @@
                 <a:ea typeface="游ゴシック" panose="020B0400000000000000" pitchFamily="50" charset="-128"/>
                 <a:cs typeface="Times New Roman" panose="02020603050405020304" pitchFamily="18" charset="0"/>
               </a:rPr>
-              <a:t>だけ</a:t>
+              <a:t>日用品</a:t>
             </a:r>
             <a:r>
               <a:rPr lang="ja-JP" altLang="ja-JP" sz="3200" kern="100" dirty="0">
@@ -14475,7 +14933,7 @@
                 <a:ea typeface="游ゴシック" panose="020B0400000000000000" pitchFamily="50" charset="-128"/>
                 <a:cs typeface="Times New Roman" panose="02020603050405020304" pitchFamily="18" charset="0"/>
               </a:rPr>
-              <a:t>で、購入が必要な時期が分かる</a:t>
+              <a:t>を一括管理</a:t>
             </a:r>
             <a:endParaRPr kumimoji="1" lang="ja-JP" altLang="en-US" dirty="0">
               <a:latin typeface="游ゴシック" panose="020B0400000000000000" pitchFamily="50" charset="-128"/>
@@ -14510,7 +14968,7 @@
     </p:spTree>
     <p:extLst>
       <p:ext uri="{BB962C8B-B14F-4D97-AF65-F5344CB8AC3E}">
-        <p14:creationId xmlns:p14="http://schemas.microsoft.com/office/powerpoint/2010/main" val="381242136"/>
+        <p14:creationId xmlns:p14="http://schemas.microsoft.com/office/powerpoint/2010/main" val="321717759"/>
       </p:ext>
     </p:extLst>
   </p:cSld>
@@ -14772,8 +15230,13 @@
           <a:p>
             <a:r>
               <a:rPr kumimoji="1" lang="ja-JP" altLang="en-US" sz="1800" dirty="0"/>
-              <a:t>過不足なく管理できる！</a:t>
-            </a:r>
+              <a:t>過不足</a:t>
+            </a:r>
+            <a:r>
+              <a:rPr kumimoji="1" lang="ja-JP" altLang="en-US" sz="1800"/>
+              <a:t>なく管理！</a:t>
+            </a:r>
+            <a:endParaRPr kumimoji="1" lang="ja-JP" altLang="en-US" sz="1800" dirty="0"/>
           </a:p>
         </p:txBody>
       </p:sp>
@@ -16573,15 +17036,6 @@
 </file>
 
 <file path=customXml/item2.xml><?xml version="1.0" encoding="utf-8"?>
-<?mso-contentType ?>
-<FormTemplates xmlns="http://schemas.microsoft.com/sharepoint/v3/contenttype/forms">
-  <Display>DocumentLibraryForm</Display>
-  <Edit>DocumentLibraryForm</Edit>
-  <New>DocumentLibraryForm</New>
-</FormTemplates>
-</file>
-
-<file path=customXml/item3.xml><?xml version="1.0" encoding="utf-8"?>
 <ct:contentTypeSchema xmlns:ct="http://schemas.microsoft.com/office/2006/metadata/contentType" xmlns:ma="http://schemas.microsoft.com/office/2006/metadata/properties/metaAttributes" ct:_="" ma:_="" ma:contentTypeName="Document" ma:contentTypeID="0x01010079F111ED35F8CC479449609E8A0923A6" ma:contentTypeVersion="20" ma:contentTypeDescription="Create a new document." ma:contentTypeScope="" ma:versionID="1267097ee5f5874adfcc408041ae252e">
   <xsd:schema xmlns:xsd="http://www.w3.org/2001/XMLSchema" xmlns:xs="http://www.w3.org/2001/XMLSchema" xmlns:p="http://schemas.microsoft.com/office/2006/metadata/properties" xmlns:ns1="http://schemas.microsoft.com/sharepoint/v3" xmlns:ns2="71af3243-3dd4-4a8d-8c0d-dd76da1f02a5" xmlns:ns3="16c05727-aa75-4e4a-9b5f-8a80a1165891" xmlns:ns4="230e9df3-be65-4c73-a93b-d1236ebd677e" targetNamespace="http://schemas.microsoft.com/office/2006/metadata/properties" ma:root="true" ma:fieldsID="395891a93df65b14727750f2c06c306c" ns1:_="" ns2:_="" ns3:_="" ns4:_="">
     <xsd:import namespace="http://schemas.microsoft.com/sharepoint/v3"/>
@@ -16857,6 +17311,15 @@
 </ct:contentTypeSchema>
 </file>
 
+<file path=customXml/item3.xml><?xml version="1.0" encoding="utf-8"?>
+<?mso-contentType ?>
+<FormTemplates xmlns="http://schemas.microsoft.com/sharepoint/v3/contenttype/forms">
+  <Display>DocumentLibraryForm</Display>
+  <Edit>DocumentLibraryForm</Edit>
+  <New>DocumentLibraryForm</New>
+</FormTemplates>
+</file>
+
 <file path=customXml/itemProps1.xml><?xml version="1.0" encoding="utf-8"?>
 <ds:datastoreItem xmlns:ds="http://schemas.openxmlformats.org/officeDocument/2006/customXml" ds:itemID="{2D0C81F5-4E08-4068-8DC9-6D21305E57B8}">
   <ds:schemaRefs>
@@ -16870,14 +17333,6 @@
 </file>
 
 <file path=customXml/itemProps2.xml><?xml version="1.0" encoding="utf-8"?>
-<ds:datastoreItem xmlns:ds="http://schemas.openxmlformats.org/officeDocument/2006/customXml" ds:itemID="{2119E3DC-63DC-4703-A1A6-A21819296CF6}">
-  <ds:schemaRefs>
-    <ds:schemaRef ds:uri="http://schemas.microsoft.com/sharepoint/v3/contenttype/forms"/>
-  </ds:schemaRefs>
-</ds:datastoreItem>
-</file>
-
-<file path=customXml/itemProps3.xml><?xml version="1.0" encoding="utf-8"?>
 <ds:datastoreItem xmlns:ds="http://schemas.openxmlformats.org/officeDocument/2006/customXml" ds:itemID="{3E84E3F0-7763-473A-A672-F70F538DAC70}">
   <ds:schemaRefs>
     <ds:schemaRef ds:uri="http://schemas.microsoft.com/office/2006/metadata/contentType"/>
@@ -16898,6 +17353,14 @@
 </ds:datastoreItem>
 </file>
 
+<file path=customXml/itemProps3.xml><?xml version="1.0" encoding="utf-8"?>
+<ds:datastoreItem xmlns:ds="http://schemas.openxmlformats.org/officeDocument/2006/customXml" ds:itemID="{2119E3DC-63DC-4703-A1A6-A21819296CF6}">
+  <ds:schemaRefs>
+    <ds:schemaRef ds:uri="http://schemas.microsoft.com/sharepoint/v3/contenttype/forms"/>
+  </ds:schemaRefs>
+</ds:datastoreItem>
+</file>
+
 <file path=docMetadata/LabelInfo.xml><?xml version="1.0" encoding="utf-8"?>
 <clbl:labelList xmlns:clbl="http://schemas.microsoft.com/office/2020/mipLabelMetadata">
   <clbl:label id="{f42aa342-8706-4288-bd11-ebb85995028c}" enabled="1" method="Standard" siteId="{72f988bf-86f1-41af-91ab-2d7cd011db47}" removed="0"/>
